--- a/Proposal/Proposal.pptx
+++ b/Proposal/Proposal.pptx
@@ -10,6 +10,8 @@
     <p:sldId id="259" r:id="rId4"/>
     <p:sldId id="260" r:id="rId5"/>
     <p:sldId id="261" r:id="rId6"/>
+    <p:sldId id="262" r:id="rId7"/>
+    <p:sldId id="263" r:id="rId8"/>
   </p:sldIdLst>
   <p:sldSz cx="12192000" cy="6858000"/>
   <p:notesSz cx="6858000" cy="9144000"/>
@@ -3824,7 +3826,19 @@
           <a:p>
             <a:r>
               <a:rPr lang="en-GB" dirty="0"/>
-              <a:t>Team members: </a:t>
+              <a:t>G</a:t>
+            </a:r>
+            <a:r>
+              <a:rPr lang="en-US" dirty="0" err="1"/>
+              <a:t>roup</a:t>
+            </a:r>
+            <a:r>
+              <a:rPr lang="en-US" dirty="0"/>
+              <a:t> 9</a:t>
+            </a:r>
+            <a:r>
+              <a:rPr lang="en-GB" dirty="0"/>
+              <a:t>: </a:t>
             </a:r>
           </a:p>
           <a:p>
@@ -3887,18 +3901,18 @@
           <a:lstStyle/>
           <a:p>
             <a:r>
-              <a:rPr lang="en-GB" altLang="zh-CN" dirty="0"/>
+              <a:rPr lang="en-GB" altLang="zh-CN" b="1" dirty="0"/>
               <a:t>Pro</a:t>
             </a:r>
             <a:r>
-              <a:rPr lang="en-US" altLang="zh-CN" dirty="0" err="1"/>
+              <a:rPr lang="en-US" altLang="zh-CN" b="1" dirty="0" err="1"/>
               <a:t>ject</a:t>
             </a:r>
             <a:r>
-              <a:rPr lang="en-GB" altLang="zh-CN" dirty="0"/>
+              <a:rPr lang="en-GB" altLang="zh-CN" b="1" dirty="0"/>
               <a:t> Description</a:t>
             </a:r>
-            <a:endParaRPr lang="en-GB" dirty="0"/>
+            <a:endParaRPr lang="en-GB" b="1" dirty="0"/>
           </a:p>
         </p:txBody>
       </p:sp>
@@ -3918,11 +3932,26 @@
             <p:ph idx="1"/>
           </p:nvPr>
         </p:nvSpPr>
-        <p:spPr/>
+        <p:spPr>
+          <a:xfrm>
+            <a:off x="1147687" y="1608877"/>
+            <a:ext cx="9603275" cy="3294576"/>
+          </a:xfrm>
+        </p:spPr>
         <p:txBody>
           <a:bodyPr/>
           <a:lstStyle/>
           <a:p>
+            <a:r>
+              <a:rPr lang="en-US" dirty="0"/>
+              <a:t>Kaggle competition: House Prices: Advanced Regression Techniques</a:t>
+            </a:r>
+          </a:p>
+          <a:p>
+            <a:r>
+              <a:rPr lang="en-US" dirty="0"/>
+              <a:t>Potential model utilized: Lasso, Ridge </a:t>
+            </a:r>
             <a:endParaRPr lang="en-GB" dirty="0"/>
           </a:p>
         </p:txBody>
@@ -3949,12 +3978,18 @@
         </p:blipFill>
         <p:spPr>
           <a:xfrm>
-            <a:off x="0" y="2708484"/>
-            <a:ext cx="12192000" cy="1441032"/>
+            <a:off x="418459" y="3340839"/>
+            <a:ext cx="11061730" cy="1307440"/>
           </a:xfrm>
           <a:prstGeom prst="rect">
             <a:avLst/>
           </a:prstGeom>
+          <a:ln>
+            <a:noFill/>
+          </a:ln>
+          <a:effectLst>
+            <a:softEdge rad="112500"/>
+          </a:effectLst>
         </p:spPr>
       </p:pic>
     </p:spTree>
@@ -4008,7 +4043,11 @@
           <a:bodyPr/>
           <a:lstStyle/>
           <a:p>
-            <a:endParaRPr lang="en-GB"/>
+            <a:r>
+              <a:rPr lang="en-US" b="1" dirty="0"/>
+              <a:t>Data Structure</a:t>
+            </a:r>
+            <a:endParaRPr lang="en-GB" b="1" dirty="0"/>
           </a:p>
         </p:txBody>
       </p:sp>
@@ -4028,21 +4067,56 @@
             <p:ph idx="1"/>
           </p:nvPr>
         </p:nvSpPr>
-        <p:spPr/>
-        <p:txBody>
-          <a:bodyPr/>
-          <a:lstStyle/>
-          <a:p>
-            <a:endParaRPr lang="en-GB"/>
+        <p:spPr>
+          <a:xfrm>
+            <a:off x="1144323" y="1608877"/>
+            <a:ext cx="9603275" cy="3385686"/>
+          </a:xfrm>
+        </p:spPr>
+        <p:txBody>
+          <a:bodyPr>
+            <a:normAutofit/>
+          </a:bodyPr>
+          <a:lstStyle/>
+          <a:p>
+            <a:r>
+              <a:rPr lang="en-US" dirty="0"/>
+              <a:t>Training dataset: 1459 * 81</a:t>
+            </a:r>
+          </a:p>
+          <a:p>
+            <a:r>
+              <a:rPr lang="en-US" dirty="0"/>
+              <a:t>Test dataset: 1459 * 80</a:t>
+            </a:r>
+          </a:p>
+          <a:p>
+            <a:r>
+              <a:rPr lang="en-US" dirty="0"/>
+              <a:t>Sample variables: </a:t>
+            </a:r>
+          </a:p>
+          <a:p>
+            <a:pPr>
+              <a:buFont typeface="Wingdings" panose="05000000000000000000" pitchFamily="2" charset="2"/>
+              <a:buChar char="Ø"/>
+            </a:pPr>
+            <a:endParaRPr lang="en-US" dirty="0"/>
+          </a:p>
+          <a:p>
+            <a:endParaRPr lang="en-US" dirty="0"/>
+          </a:p>
+          <a:p>
+            <a:endParaRPr lang="en-GB" dirty="0"/>
           </a:p>
         </p:txBody>
       </p:sp>
       <p:pic>
         <p:nvPicPr>
-          <p:cNvPr id="4" name="Picture 3">
+          <p:cNvPr id="5" name="Picture 4">
             <a:extLst>
               <a:ext uri="{FF2B5EF4-FFF2-40B4-BE49-F238E27FC236}">
-                <a16:creationId xmlns:a16="http://schemas.microsoft.com/office/drawing/2014/main" id="{8EA99B36-26F8-4DC7-85F2-7CED86F73201}"/>
+                <a16:creationId xmlns:a16="http://schemas.microsoft.com/office/drawing/2014/main" id="{E07ED50B-D33B-483A-B2D5-251C0409A92F}"/>
               </a:ext>
             </a:extLst>
           </p:cNvPr>
@@ -4051,20 +4125,25 @@
           </p:cNvPicPr>
           <p:nvPr/>
         </p:nvPicPr>
-        <p:blipFill>
+        <p:blipFill rotWithShape="1">
           <a:blip r:embed="rId2"/>
-          <a:stretch>
-            <a:fillRect/>
-          </a:stretch>
+          <a:srcRect t="19766" b="21163"/>
+          <a:stretch/>
         </p:blipFill>
         <p:spPr>
           <a:xfrm>
-            <a:off x="2024263" y="0"/>
-            <a:ext cx="8143473" cy="6858000"/>
+            <a:off x="1437475" y="3131127"/>
+            <a:ext cx="8832880" cy="2708563"/>
           </a:xfrm>
           <a:prstGeom prst="rect">
             <a:avLst/>
           </a:prstGeom>
+          <a:ln>
+            <a:noFill/>
+          </a:ln>
+          <a:effectLst>
+            <a:softEdge rad="112500"/>
+          </a:effectLst>
         </p:spPr>
       </p:pic>
     </p:spTree>
@@ -4118,7 +4197,11 @@
           <a:bodyPr/>
           <a:lstStyle/>
           <a:p>
-            <a:endParaRPr lang="en-GB"/>
+            <a:r>
+              <a:rPr lang="en-US" b="1" dirty="0"/>
+              <a:t>Methodology</a:t>
+            </a:r>
+            <a:endParaRPr lang="en-GB" b="1" dirty="0"/>
           </a:p>
         </p:txBody>
       </p:sp>
@@ -4143,40 +4226,10 @@
           <a:bodyPr/>
           <a:lstStyle/>
           <a:p>
-            <a:endParaRPr lang="en-GB"/>
-          </a:p>
-        </p:txBody>
-      </p:sp>
-      <p:pic>
-        <p:nvPicPr>
-          <p:cNvPr id="4" name="Picture 3">
-            <a:extLst>
-              <a:ext uri="{FF2B5EF4-FFF2-40B4-BE49-F238E27FC236}">
-                <a16:creationId xmlns:a16="http://schemas.microsoft.com/office/drawing/2014/main" id="{4C7EE63E-4910-4644-9C9F-795227810BDD}"/>
-              </a:ext>
-            </a:extLst>
-          </p:cNvPr>
-          <p:cNvPicPr>
-            <a:picLocks noChangeAspect="1"/>
-          </p:cNvPicPr>
-          <p:nvPr/>
-        </p:nvPicPr>
-        <p:blipFill>
-          <a:blip r:embed="rId2"/>
-          <a:stretch>
-            <a:fillRect/>
-          </a:stretch>
-        </p:blipFill>
-        <p:spPr>
-          <a:xfrm>
-            <a:off x="2423283" y="720448"/>
-            <a:ext cx="9963150" cy="5172075"/>
-          </a:xfrm>
-          <a:prstGeom prst="rect">
-            <a:avLst/>
-          </a:prstGeom>
-        </p:spPr>
-      </p:pic>
+            <a:endParaRPr lang="en-GB" dirty="0"/>
+          </a:p>
+        </p:txBody>
+      </p:sp>
     </p:spTree>
     <p:extLst>
       <p:ext uri="{BB962C8B-B14F-4D97-AF65-F5344CB8AC3E}">
@@ -4223,44 +4276,809 @@
             <p:ph type="title"/>
           </p:nvPr>
         </p:nvSpPr>
-        <p:spPr/>
+        <p:spPr>
+          <a:xfrm>
+            <a:off x="1130270" y="953324"/>
+            <a:ext cx="11061730" cy="1049235"/>
+          </a:xfrm>
+        </p:spPr>
         <p:txBody>
           <a:bodyPr/>
           <a:lstStyle/>
           <a:p>
-            <a:endParaRPr lang="en-GB"/>
-          </a:p>
-        </p:txBody>
-      </p:sp>
-      <p:sp>
-        <p:nvSpPr>
-          <p:cNvPr id="3" name="Content Placeholder 2">
+            <a:r>
+              <a:rPr lang="en-US" b="1" dirty="0"/>
+              <a:t>Performance Evaluation Criteria_</a:t>
+            </a:r>
+            <a:r>
+              <a:rPr lang="en-GB" sz="2000" b="1" i="1" u="sng" dirty="0"/>
+              <a:t>Root Mean Squared Log Error</a:t>
+            </a:r>
+            <a:endParaRPr lang="en-GB" b="1" i="1" u="sng" dirty="0"/>
+          </a:p>
+        </p:txBody>
+      </p:sp>
+      <p:pic>
+        <p:nvPicPr>
+          <p:cNvPr id="4" name="Picture 3">
             <a:extLst>
               <a:ext uri="{FF2B5EF4-FFF2-40B4-BE49-F238E27FC236}">
-                <a16:creationId xmlns:a16="http://schemas.microsoft.com/office/drawing/2014/main" id="{4D5FDF34-4AE0-4D10-BE0D-FAA448924786}"/>
+                <a16:creationId xmlns:a16="http://schemas.microsoft.com/office/drawing/2014/main" id="{2F4397A6-037D-48C3-850A-E8B67373CA76}"/>
               </a:ext>
             </a:extLst>
           </p:cNvPr>
-          <p:cNvSpPr>
-            <a:spLocks noGrp="1"/>
-          </p:cNvSpPr>
-          <p:nvPr>
-            <p:ph idx="1"/>
-          </p:nvPr>
-        </p:nvSpPr>
-        <p:spPr/>
-        <p:txBody>
-          <a:bodyPr/>
-          <a:lstStyle/>
-          <a:p>
-            <a:endParaRPr lang="en-GB"/>
-          </a:p>
-        </p:txBody>
-      </p:sp>
+          <p:cNvPicPr>
+            <a:picLocks noChangeAspect="1"/>
+          </p:cNvPicPr>
+          <p:nvPr/>
+        </p:nvPicPr>
+        <p:blipFill rotWithShape="1">
+          <a:blip r:embed="rId2"/>
+          <a:srcRect b="55758"/>
+          <a:stretch/>
+        </p:blipFill>
+        <p:spPr>
+          <a:xfrm>
+            <a:off x="1158349" y="1586351"/>
+            <a:ext cx="8143473" cy="3034140"/>
+          </a:xfrm>
+          <a:prstGeom prst="rect">
+            <a:avLst/>
+          </a:prstGeom>
+        </p:spPr>
+      </p:pic>
+      <p:pic>
+        <p:nvPicPr>
+          <p:cNvPr id="5" name="Picture 4">
+            <a:extLst>
+              <a:ext uri="{FF2B5EF4-FFF2-40B4-BE49-F238E27FC236}">
+                <a16:creationId xmlns:a16="http://schemas.microsoft.com/office/drawing/2014/main" id="{B3B33C1A-596B-4DB5-B087-26E661B0611E}"/>
+              </a:ext>
+            </a:extLst>
+          </p:cNvPr>
+          <p:cNvPicPr>
+            <a:picLocks noChangeAspect="1"/>
+          </p:cNvPicPr>
+          <p:nvPr/>
+        </p:nvPicPr>
+        <p:blipFill rotWithShape="1">
+          <a:blip r:embed="rId2"/>
+          <a:srcRect t="83597" b="544"/>
+          <a:stretch/>
+        </p:blipFill>
+        <p:spPr>
+          <a:xfrm>
+            <a:off x="1158349" y="4939145"/>
+            <a:ext cx="8143473" cy="1087581"/>
+          </a:xfrm>
+          <a:prstGeom prst="rect">
+            <a:avLst/>
+          </a:prstGeom>
+        </p:spPr>
+      </p:pic>
     </p:spTree>
     <p:extLst>
       <p:ext uri="{BB962C8B-B14F-4D97-AF65-F5344CB8AC3E}">
         <p14:creationId xmlns:p14="http://schemas.microsoft.com/office/powerpoint/2010/main" val="706769428"/>
+      </p:ext>
+    </p:extLst>
+  </p:cSld>
+  <p:clrMapOvr>
+    <a:masterClrMapping/>
+  </p:clrMapOvr>
+</p:sld>
+</file>
+
+<file path=ppt/slides/slide6.xml><?xml version="1.0" encoding="utf-8"?>
+<p:sld xmlns:a="http://schemas.openxmlformats.org/drawingml/2006/main" xmlns:r="http://schemas.openxmlformats.org/officeDocument/2006/relationships" xmlns:p="http://schemas.openxmlformats.org/presentationml/2006/main">
+  <p:cSld>
+    <p:spTree>
+      <p:nvGrpSpPr>
+        <p:cNvPr id="1" name=""/>
+        <p:cNvGrpSpPr/>
+        <p:nvPr/>
+      </p:nvGrpSpPr>
+      <p:grpSpPr>
+        <a:xfrm>
+          <a:off x="0" y="0"/>
+          <a:ext cx="0" cy="0"/>
+          <a:chOff x="0" y="0"/>
+          <a:chExt cx="0" cy="0"/>
+        </a:xfrm>
+      </p:grpSpPr>
+      <p:sp>
+        <p:nvSpPr>
+          <p:cNvPr id="2" name="Title 1">
+            <a:extLst>
+              <a:ext uri="{FF2B5EF4-FFF2-40B4-BE49-F238E27FC236}">
+                <a16:creationId xmlns:a16="http://schemas.microsoft.com/office/drawing/2014/main" id="{ECA77F21-9491-47CE-8A20-9B1A0E2E000B}"/>
+              </a:ext>
+            </a:extLst>
+          </p:cNvPr>
+          <p:cNvSpPr>
+            <a:spLocks noGrp="1"/>
+          </p:cNvSpPr>
+          <p:nvPr>
+            <p:ph type="title"/>
+          </p:nvPr>
+        </p:nvSpPr>
+        <p:spPr/>
+        <p:txBody>
+          <a:bodyPr/>
+          <a:lstStyle/>
+          <a:p>
+            <a:r>
+              <a:rPr lang="en-US" b="1" dirty="0"/>
+              <a:t>Our Target</a:t>
+            </a:r>
+            <a:endParaRPr lang="en-GB" b="1" dirty="0"/>
+          </a:p>
+        </p:txBody>
+      </p:sp>
+      <p:sp>
+        <p:nvSpPr>
+          <p:cNvPr id="3" name="Content Placeholder 2">
+            <a:extLst>
+              <a:ext uri="{FF2B5EF4-FFF2-40B4-BE49-F238E27FC236}">
+                <a16:creationId xmlns:a16="http://schemas.microsoft.com/office/drawing/2014/main" id="{A11484C3-0CB5-4B61-BE6B-FC63D5183496}"/>
+              </a:ext>
+            </a:extLst>
+          </p:cNvPr>
+          <p:cNvSpPr>
+            <a:spLocks noGrp="1"/>
+          </p:cNvSpPr>
+          <p:nvPr>
+            <p:ph idx="1"/>
+          </p:nvPr>
+        </p:nvSpPr>
+        <p:spPr/>
+        <p:txBody>
+          <a:bodyPr/>
+          <a:lstStyle/>
+          <a:p>
+            <a:pPr marL="0" indent="0">
+              <a:buNone/>
+            </a:pPr>
+            <a:r>
+              <a:rPr lang="en-US" dirty="0"/>
+              <a:t>Conservatively:</a:t>
+            </a:r>
+          </a:p>
+          <a:p>
+            <a:r>
+              <a:rPr lang="en-US" dirty="0"/>
+              <a:t>Ranking 3000, score of less than 0.15</a:t>
+            </a:r>
+          </a:p>
+          <a:p>
+            <a:endParaRPr lang="en-US" dirty="0"/>
+          </a:p>
+          <a:p>
+            <a:pPr marL="0" indent="0">
+              <a:buNone/>
+            </a:pPr>
+            <a:r>
+              <a:rPr lang="en-US" dirty="0"/>
+              <a:t>Hopefully:</a:t>
+            </a:r>
+          </a:p>
+          <a:p>
+            <a:r>
+              <a:rPr lang="en-US" dirty="0"/>
+              <a:t>Ranking 2000, score of </a:t>
+            </a:r>
+            <a:r>
+              <a:rPr lang="en-US" dirty="0" err="1"/>
+              <a:t>appox</a:t>
+            </a:r>
+            <a:r>
+              <a:rPr lang="en-US" dirty="0"/>
+              <a:t>. 0.13</a:t>
+            </a:r>
+            <a:endParaRPr lang="en-GB" dirty="0"/>
+          </a:p>
+        </p:txBody>
+      </p:sp>
+    </p:spTree>
+    <p:extLst>
+      <p:ext uri="{BB962C8B-B14F-4D97-AF65-F5344CB8AC3E}">
+        <p14:creationId xmlns:p14="http://schemas.microsoft.com/office/powerpoint/2010/main" val="1366398521"/>
+      </p:ext>
+    </p:extLst>
+  </p:cSld>
+  <p:clrMapOvr>
+    <a:masterClrMapping/>
+  </p:clrMapOvr>
+</p:sld>
+</file>
+
+<file path=ppt/slides/slide7.xml><?xml version="1.0" encoding="utf-8"?>
+<p:sld xmlns:a="http://schemas.openxmlformats.org/drawingml/2006/main" xmlns:r="http://schemas.openxmlformats.org/officeDocument/2006/relationships" xmlns:p="http://schemas.openxmlformats.org/presentationml/2006/main">
+  <p:cSld>
+    <p:bg>
+      <p:bgPr>
+        <a:gradFill rotWithShape="1">
+          <a:gsLst>
+            <a:gs pos="0">
+              <a:schemeClr val="bg1">
+                <a:tint val="94000"/>
+                <a:satMod val="80000"/>
+                <a:lumMod val="106000"/>
+              </a:schemeClr>
+            </a:gs>
+            <a:gs pos="100000">
+              <a:schemeClr val="bg1">
+                <a:shade val="80000"/>
+                <a:lumMod val="108000"/>
+              </a:schemeClr>
+            </a:gs>
+          </a:gsLst>
+          <a:path path="circle">
+            <a:fillToRect l="43000" r="43000" b="100000"/>
+          </a:path>
+        </a:gradFill>
+        <a:effectLst/>
+      </p:bgPr>
+    </p:bg>
+    <p:spTree>
+      <p:nvGrpSpPr>
+        <p:cNvPr id="1" name=""/>
+        <p:cNvGrpSpPr/>
+        <p:nvPr/>
+      </p:nvGrpSpPr>
+      <p:grpSpPr>
+        <a:xfrm>
+          <a:off x="0" y="0"/>
+          <a:ext cx="0" cy="0"/>
+          <a:chOff x="0" y="0"/>
+          <a:chExt cx="0" cy="0"/>
+        </a:xfrm>
+      </p:grpSpPr>
+      <p:sp useBgFill="1">
+        <p:nvSpPr>
+          <p:cNvPr id="8" name="Rectangle 7">
+            <a:extLst>
+              <a:ext uri="{FF2B5EF4-FFF2-40B4-BE49-F238E27FC236}">
+                <a16:creationId xmlns:a16="http://schemas.microsoft.com/office/drawing/2014/main" id="{08E7A6F0-5CD3-481E-B0F2-E7F99FE675B0}"/>
+              </a:ext>
+              <a:ext uri="{C183D7F6-B498-43B3-948B-1728B52AA6E4}">
+                <adec:decorative xmlns:adec="http://schemas.microsoft.com/office/drawing/2017/decorative" val="1"/>
+              </a:ext>
+            </a:extLst>
+          </p:cNvPr>
+          <p:cNvSpPr>
+            <a:spLocks noGrp="1" noRot="1" noChangeAspect="1" noMove="1" noResize="1" noEditPoints="1" noAdjustHandles="1" noChangeArrowheads="1" noChangeShapeType="1" noTextEdit="1"/>
+          </p:cNvSpPr>
+          <p:nvPr>
+            <p:extLst>
+              <p:ext uri="{386F3935-93C4-4BCD-93E2-E3B085C9AB24}">
+                <p16:designElem xmlns:p16="http://schemas.microsoft.com/office/powerpoint/2015/main" val="1"/>
+              </p:ext>
+            </p:extLst>
+          </p:nvPr>
+        </p:nvSpPr>
+        <p:spPr>
+          <a:xfrm>
+            <a:off x="2" y="0"/>
+            <a:ext cx="12191695" cy="6858000"/>
+          </a:xfrm>
+          <a:prstGeom prst="rect">
+            <a:avLst/>
+          </a:prstGeom>
+          <a:ln>
+            <a:noFill/>
+          </a:ln>
+        </p:spPr>
+        <p:style>
+          <a:lnRef idx="2">
+            <a:schemeClr val="accent1">
+              <a:shade val="50000"/>
+            </a:schemeClr>
+          </a:lnRef>
+          <a:fillRef idx="1">
+            <a:schemeClr val="accent1"/>
+          </a:fillRef>
+          <a:effectRef idx="0">
+            <a:schemeClr val="accent1"/>
+          </a:effectRef>
+          <a:fontRef idx="minor">
+            <a:schemeClr val="lt1"/>
+          </a:fontRef>
+        </p:style>
+        <p:txBody>
+          <a:bodyPr rtlCol="0" anchor="ctr"/>
+          <a:lstStyle/>
+          <a:p>
+            <a:pPr algn="ctr"/>
+            <a:endParaRPr lang="en-US"/>
+          </a:p>
+        </p:txBody>
+      </p:sp>
+      <p:sp>
+        <p:nvSpPr>
+          <p:cNvPr id="10" name="Rectangle 9">
+            <a:extLst>
+              <a:ext uri="{FF2B5EF4-FFF2-40B4-BE49-F238E27FC236}">
+                <a16:creationId xmlns:a16="http://schemas.microsoft.com/office/drawing/2014/main" id="{511290DF-4975-4FCD-8B8D-BBC86B836668}"/>
+              </a:ext>
+              <a:ext uri="{C183D7F6-B498-43B3-948B-1728B52AA6E4}">
+                <adec:decorative xmlns:adec="http://schemas.microsoft.com/office/drawing/2017/decorative" val="1"/>
+              </a:ext>
+            </a:extLst>
+          </p:cNvPr>
+          <p:cNvSpPr>
+            <a:spLocks noGrp="1" noRot="1" noChangeAspect="1" noMove="1" noResize="1" noEditPoints="1" noAdjustHandles="1" noChangeArrowheads="1" noChangeShapeType="1" noTextEdit="1"/>
+          </p:cNvSpPr>
+          <p:nvPr>
+            <p:extLst>
+              <p:ext uri="{386F3935-93C4-4BCD-93E2-E3B085C9AB24}">
+                <p16:designElem xmlns:p16="http://schemas.microsoft.com/office/powerpoint/2015/main" val="1"/>
+              </p:ext>
+            </p:extLst>
+          </p:nvPr>
+        </p:nvSpPr>
+        <p:spPr>
+          <a:xfrm>
+            <a:off x="0" y="2019476"/>
+            <a:ext cx="12192000" cy="4105941"/>
+          </a:xfrm>
+          <a:prstGeom prst="rect">
+            <a:avLst/>
+          </a:prstGeom>
+          <a:gradFill flip="none" rotWithShape="1">
+            <a:gsLst>
+              <a:gs pos="0">
+                <a:schemeClr val="bg2">
+                  <a:alpha val="0"/>
+                </a:schemeClr>
+              </a:gs>
+              <a:gs pos="100000">
+                <a:schemeClr val="bg2"/>
+              </a:gs>
+            </a:gsLst>
+            <a:lin ang="5400000" scaled="0"/>
+            <a:tileRect/>
+          </a:gradFill>
+          <a:ln>
+            <a:noFill/>
+          </a:ln>
+        </p:spPr>
+        <p:style>
+          <a:lnRef idx="2">
+            <a:schemeClr val="accent1">
+              <a:shade val="50000"/>
+            </a:schemeClr>
+          </a:lnRef>
+          <a:fillRef idx="1">
+            <a:schemeClr val="accent1"/>
+          </a:fillRef>
+          <a:effectRef idx="0">
+            <a:schemeClr val="accent1"/>
+          </a:effectRef>
+          <a:fontRef idx="minor">
+            <a:schemeClr val="lt1"/>
+          </a:fontRef>
+        </p:style>
+        <p:txBody>
+          <a:bodyPr rtlCol="0" anchor="ctr"/>
+          <a:lstStyle/>
+          <a:p>
+            <a:pPr lvl="0" algn="ctr"/>
+            <a:endParaRPr lang="en-US"/>
+          </a:p>
+        </p:txBody>
+      </p:sp>
+      <p:grpSp>
+        <p:nvGrpSpPr>
+          <p:cNvPr id="12" name="Group 11">
+            <a:extLst>
+              <a:ext uri="{FF2B5EF4-FFF2-40B4-BE49-F238E27FC236}">
+                <a16:creationId xmlns:a16="http://schemas.microsoft.com/office/drawing/2014/main" id="{357CA18A-A333-4DCB-842B-76827D2ECB24}"/>
+              </a:ext>
+              <a:ext uri="{C183D7F6-B498-43B3-948B-1728B52AA6E4}">
+                <adec:decorative xmlns:adec="http://schemas.microsoft.com/office/drawing/2017/decorative" val="1"/>
+              </a:ext>
+            </a:extLst>
+          </p:cNvPr>
+          <p:cNvGrpSpPr>
+            <a:grpSpLocks noGrp="1" noUngrp="1" noRot="1" noChangeAspect="1" noMove="1" noResize="1"/>
+          </p:cNvGrpSpPr>
+          <p:nvPr>
+            <p:extLst>
+              <p:ext uri="{386F3935-93C4-4BCD-93E2-E3B085C9AB24}">
+                <p16:designElem xmlns:p16="http://schemas.microsoft.com/office/powerpoint/2015/main" val="1"/>
+              </p:ext>
+            </p:extLst>
+          </p:nvPr>
+        </p:nvGrpSpPr>
+        <p:grpSpPr>
+          <a:xfrm>
+            <a:off x="5100021" y="638300"/>
+            <a:ext cx="6409605" cy="4858625"/>
+            <a:chOff x="7807230" y="2012810"/>
+            <a:chExt cx="3251252" cy="3459865"/>
+          </a:xfrm>
+        </p:grpSpPr>
+        <p:sp>
+          <p:nvSpPr>
+            <p:cNvPr id="13" name="Rectangle 12">
+              <a:extLst>
+                <a:ext uri="{FF2B5EF4-FFF2-40B4-BE49-F238E27FC236}">
+                  <a16:creationId xmlns:a16="http://schemas.microsoft.com/office/drawing/2014/main" id="{6E785FC3-CE7B-46F8-8C7A-EBBF001EDB17}"/>
+                </a:ext>
+                <a:ext uri="{C183D7F6-B498-43B3-948B-1728B52AA6E4}">
+                  <adec:decorative xmlns:adec="http://schemas.microsoft.com/office/drawing/2017/decorative" val="1"/>
+                </a:ext>
+              </a:extLst>
+            </p:cNvPr>
+            <p:cNvSpPr/>
+            <p:nvPr>
+              <p:extLst>
+                <p:ext uri="{386F3935-93C4-4BCD-93E2-E3B085C9AB24}">
+                  <p16:designElem xmlns:p16="http://schemas.microsoft.com/office/powerpoint/2015/main" val="1"/>
+                </p:ext>
+              </p:extLst>
+            </p:nvPr>
+          </p:nvSpPr>
+          <p:spPr>
+            <a:xfrm>
+              <a:off x="7807230" y="2012810"/>
+              <a:ext cx="3251252" cy="3459865"/>
+            </a:xfrm>
+            <a:prstGeom prst="rect">
+              <a:avLst/>
+            </a:prstGeom>
+            <a:gradFill>
+              <a:gsLst>
+                <a:gs pos="0">
+                  <a:srgbClr val="000001"/>
+                </a:gs>
+                <a:gs pos="100000">
+                  <a:srgbClr val="191919"/>
+                </a:gs>
+              </a:gsLst>
+            </a:gradFill>
+            <a:ln w="76200" cmpd="sng">
+              <a:noFill/>
+              <a:miter lim="800000"/>
+            </a:ln>
+            <a:effectLst>
+              <a:outerShdw blurRad="127000" dist="190500" dir="4740000" sx="98000" sy="98000" algn="tl" rotWithShape="0">
+                <a:srgbClr val="000000">
+                  <a:alpha val="34000"/>
+                </a:srgbClr>
+              </a:outerShdw>
+            </a:effectLst>
+            <a:scene3d>
+              <a:camera prst="orthographicFront"/>
+              <a:lightRig rig="threePt" dir="t"/>
+            </a:scene3d>
+            <a:sp3d>
+              <a:bevelT w="152400" h="50800" prst="softRound"/>
+            </a:sp3d>
+          </p:spPr>
+          <p:style>
+            <a:lnRef idx="1">
+              <a:schemeClr val="accent1"/>
+            </a:lnRef>
+            <a:fillRef idx="3">
+              <a:schemeClr val="accent1"/>
+            </a:fillRef>
+            <a:effectRef idx="2">
+              <a:schemeClr val="accent1"/>
+            </a:effectRef>
+            <a:fontRef idx="minor">
+              <a:schemeClr val="lt1"/>
+            </a:fontRef>
+          </p:style>
+          <p:txBody>
+            <a:bodyPr rtlCol="0" anchor="ctr"/>
+            <a:lstStyle/>
+            <a:p>
+              <a:pPr algn="ctr"/>
+              <a:endParaRPr lang="en-US"/>
+            </a:p>
+          </p:txBody>
+        </p:sp>
+        <p:sp>
+          <p:nvSpPr>
+            <p:cNvPr id="14" name="Rectangle 13">
+              <a:extLst>
+                <a:ext uri="{FF2B5EF4-FFF2-40B4-BE49-F238E27FC236}">
+                  <a16:creationId xmlns:a16="http://schemas.microsoft.com/office/drawing/2014/main" id="{75069D9A-30C7-4159-880C-DD2BDC51009B}"/>
+                </a:ext>
+                <a:ext uri="{C183D7F6-B498-43B3-948B-1728B52AA6E4}">
+                  <adec:decorative xmlns:adec="http://schemas.microsoft.com/office/drawing/2017/decorative" val="1"/>
+                </a:ext>
+              </a:extLst>
+            </p:cNvPr>
+            <p:cNvSpPr/>
+            <p:nvPr>
+              <p:extLst>
+                <p:ext uri="{386F3935-93C4-4BCD-93E2-E3B085C9AB24}">
+                  <p16:designElem xmlns:p16="http://schemas.microsoft.com/office/powerpoint/2015/main" val="1"/>
+                </p:ext>
+              </p:extLst>
+            </p:nvPr>
+          </p:nvSpPr>
+          <p:spPr>
+            <a:xfrm>
+              <a:off x="7807231" y="2026142"/>
+              <a:ext cx="3251250" cy="3440203"/>
+            </a:xfrm>
+            <a:prstGeom prst="rect">
+              <a:avLst/>
+            </a:prstGeom>
+            <a:gradFill>
+              <a:gsLst>
+                <a:gs pos="0">
+                  <a:srgbClr val="DADADA"/>
+                </a:gs>
+                <a:gs pos="100000">
+                  <a:srgbClr val="FFFFFE"/>
+                </a:gs>
+              </a:gsLst>
+              <a:lin ang="16200000" scaled="0"/>
+            </a:gradFill>
+            <a:ln w="76200" cmpd="sng">
+              <a:solidFill>
+                <a:srgbClr val="191919"/>
+              </a:solidFill>
+              <a:miter lim="800000"/>
+            </a:ln>
+            <a:effectLst>
+              <a:innerShdw blurRad="63500" dist="88900" dir="14100000">
+                <a:srgbClr val="000000">
+                  <a:alpha val="30000"/>
+                </a:srgbClr>
+              </a:innerShdw>
+            </a:effectLst>
+            <a:scene3d>
+              <a:camera prst="orthographicFront"/>
+              <a:lightRig rig="threePt" dir="t"/>
+            </a:scene3d>
+            <a:sp3d>
+              <a:bevelT w="38100" h="38100" prst="relaxedInset"/>
+            </a:sp3d>
+          </p:spPr>
+          <p:style>
+            <a:lnRef idx="1">
+              <a:schemeClr val="accent1"/>
+            </a:lnRef>
+            <a:fillRef idx="3">
+              <a:schemeClr val="accent1"/>
+            </a:fillRef>
+            <a:effectRef idx="2">
+              <a:schemeClr val="accent1"/>
+            </a:effectRef>
+            <a:fontRef idx="minor">
+              <a:schemeClr val="lt1"/>
+            </a:fontRef>
+          </p:style>
+          <p:txBody>
+            <a:bodyPr rtlCol="0" anchor="ctr"/>
+            <a:lstStyle/>
+            <a:p>
+              <a:pPr algn="ctr"/>
+              <a:endParaRPr lang="en-US"/>
+            </a:p>
+          </p:txBody>
+        </p:sp>
+      </p:grpSp>
+      <p:sp>
+        <p:nvSpPr>
+          <p:cNvPr id="16" name="Rectangle 15">
+            <a:extLst>
+              <a:ext uri="{FF2B5EF4-FFF2-40B4-BE49-F238E27FC236}">
+                <a16:creationId xmlns:a16="http://schemas.microsoft.com/office/drawing/2014/main" id="{D9FE1511-6E1B-4F0E-8FF0-958527181CC9}"/>
+              </a:ext>
+              <a:ext uri="{C183D7F6-B498-43B3-948B-1728B52AA6E4}">
+                <adec:decorative xmlns:adec="http://schemas.microsoft.com/office/drawing/2017/decorative" val="1"/>
+              </a:ext>
+            </a:extLst>
+          </p:cNvPr>
+          <p:cNvSpPr>
+            <a:spLocks noGrp="1" noRot="1" noChangeAspect="1" noMove="1" noResize="1" noEditPoints="1" noAdjustHandles="1" noChangeArrowheads="1" noChangeShapeType="1" noTextEdit="1"/>
+          </p:cNvSpPr>
+          <p:nvPr>
+            <p:extLst>
+              <p:ext uri="{386F3935-93C4-4BCD-93E2-E3B085C9AB24}">
+                <p16:designElem xmlns:p16="http://schemas.microsoft.com/office/powerpoint/2015/main" val="1"/>
+              </p:ext>
+            </p:extLst>
+          </p:nvPr>
+        </p:nvSpPr>
+        <p:spPr>
+          <a:xfrm>
+            <a:off x="5419891" y="973636"/>
+            <a:ext cx="5769864" cy="4187952"/>
+          </a:xfrm>
+          <a:prstGeom prst="rect">
+            <a:avLst/>
+          </a:prstGeom>
+          <a:solidFill>
+            <a:srgbClr val="FFFFFF"/>
+          </a:solidFill>
+          <a:ln w="6350">
+            <a:solidFill>
+              <a:srgbClr val="DFDBD5"/>
+            </a:solidFill>
+          </a:ln>
+        </p:spPr>
+        <p:style>
+          <a:lnRef idx="2">
+            <a:schemeClr val="accent1">
+              <a:shade val="50000"/>
+            </a:schemeClr>
+          </a:lnRef>
+          <a:fillRef idx="1">
+            <a:schemeClr val="accent1"/>
+          </a:fillRef>
+          <a:effectRef idx="0">
+            <a:schemeClr val="accent1"/>
+          </a:effectRef>
+          <a:fontRef idx="minor">
+            <a:schemeClr val="lt1"/>
+          </a:fontRef>
+        </p:style>
+        <p:txBody>
+          <a:bodyPr rtlCol="0" anchor="ctr"/>
+          <a:lstStyle/>
+          <a:p>
+            <a:pPr algn="ctr"/>
+            <a:endParaRPr lang="en-US"/>
+          </a:p>
+        </p:txBody>
+      </p:sp>
+      <p:sp>
+        <p:nvSpPr>
+          <p:cNvPr id="3" name="Content Placeholder 2">
+            <a:extLst>
+              <a:ext uri="{FF2B5EF4-FFF2-40B4-BE49-F238E27FC236}">
+                <a16:creationId xmlns:a16="http://schemas.microsoft.com/office/drawing/2014/main" id="{1E75CE02-51FA-41C4-9BEF-9B316FBBEC7B}"/>
+              </a:ext>
+            </a:extLst>
+          </p:cNvPr>
+          <p:cNvSpPr>
+            <a:spLocks noGrp="1"/>
+          </p:cNvSpPr>
+          <p:nvPr>
+            <p:ph idx="1"/>
+          </p:nvPr>
+        </p:nvSpPr>
+        <p:spPr>
+          <a:xfrm>
+            <a:off x="5584483" y="1138228"/>
+            <a:ext cx="5440680" cy="3858768"/>
+          </a:xfrm>
+        </p:spPr>
+        <p:txBody>
+          <a:bodyPr anchor="ctr">
+            <a:normAutofit/>
+          </a:bodyPr>
+          <a:lstStyle/>
+          <a:p>
+            <a:pPr marL="0" indent="0">
+              <a:buNone/>
+            </a:pPr>
+            <a:r>
+              <a:rPr lang="en-US" sz="4800" b="1" dirty="0">
+                <a:solidFill>
+                  <a:srgbClr val="000000"/>
+                </a:solidFill>
+              </a:rPr>
+              <a:t>Thanks</a:t>
+            </a:r>
+            <a:endParaRPr lang="en-GB" sz="4800" b="1" dirty="0">
+              <a:solidFill>
+                <a:srgbClr val="000000"/>
+              </a:solidFill>
+            </a:endParaRPr>
+          </a:p>
+        </p:txBody>
+      </p:sp>
+      <p:cxnSp>
+        <p:nvCxnSpPr>
+          <p:cNvPr id="18" name="Straight Connector 17">
+            <a:extLst>
+              <a:ext uri="{FF2B5EF4-FFF2-40B4-BE49-F238E27FC236}">
+                <a16:creationId xmlns:a16="http://schemas.microsoft.com/office/drawing/2014/main" id="{05C73161-1E4E-4E6A-91B2-E885CF8FFBA6}"/>
+              </a:ext>
+              <a:ext uri="{C183D7F6-B498-43B3-948B-1728B52AA6E4}">
+                <adec:decorative xmlns:adec="http://schemas.microsoft.com/office/drawing/2017/decorative" val="1"/>
+              </a:ext>
+            </a:extLst>
+          </p:cNvPr>
+          <p:cNvCxnSpPr>
+            <a:cxnSpLocks noGrp="1" noRot="1" noChangeAspect="1" noMove="1" noResize="1" noEditPoints="1" noAdjustHandles="1" noChangeArrowheads="1" noChangeShapeType="1"/>
+          </p:cNvCxnSpPr>
+          <p:nvPr>
+            <p:extLst>
+              <p:ext uri="{386F3935-93C4-4BCD-93E2-E3B085C9AB24}">
+                <p16:designElem xmlns:p16="http://schemas.microsoft.com/office/powerpoint/2015/main" val="1"/>
+              </p:ext>
+            </p:extLst>
+          </p:nvPr>
+        </p:nvCxnSpPr>
+        <p:spPr>
+          <a:xfrm>
+            <a:off x="0" y="6128413"/>
+            <a:ext cx="12192000" cy="0"/>
+          </a:xfrm>
+          <a:prstGeom prst="line">
+            <a:avLst/>
+          </a:prstGeom>
+          <a:ln w="12700">
+            <a:solidFill>
+              <a:srgbClr val="000001">
+                <a:alpha val="20000"/>
+              </a:srgbClr>
+            </a:solidFill>
+          </a:ln>
+        </p:spPr>
+        <p:style>
+          <a:lnRef idx="1">
+            <a:schemeClr val="accent1"/>
+          </a:lnRef>
+          <a:fillRef idx="0">
+            <a:schemeClr val="accent1"/>
+          </a:fillRef>
+          <a:effectRef idx="0">
+            <a:schemeClr val="accent1"/>
+          </a:effectRef>
+          <a:fontRef idx="minor">
+            <a:schemeClr val="tx1"/>
+          </a:fontRef>
+        </p:style>
+      </p:cxnSp>
+      <p:pic>
+        <p:nvPicPr>
+          <p:cNvPr id="20" name="Picture 19">
+            <a:extLst>
+              <a:ext uri="{FF2B5EF4-FFF2-40B4-BE49-F238E27FC236}">
+                <a16:creationId xmlns:a16="http://schemas.microsoft.com/office/drawing/2014/main" id="{B1E64CB6-C7F2-46FF-AA99-58C796972956}"/>
+              </a:ext>
+              <a:ext uri="{C183D7F6-B498-43B3-948B-1728B52AA6E4}">
+                <adec:decorative xmlns:adec="http://schemas.microsoft.com/office/drawing/2017/decorative" val="1"/>
+              </a:ext>
+            </a:extLst>
+          </p:cNvPr>
+          <p:cNvPicPr>
+            <a:picLocks noGrp="1" noRot="1" noChangeAspect="1" noMove="1" noResize="1" noEditPoints="1" noAdjustHandles="1" noChangeArrowheads="1" noChangeShapeType="1" noCrop="1"/>
+          </p:cNvPicPr>
+          <p:nvPr>
+            <p:extLst>
+              <p:ext uri="{386F3935-93C4-4BCD-93E2-E3B085C9AB24}">
+                <p16:designElem xmlns:p16="http://schemas.microsoft.com/office/powerpoint/2015/main" val="1"/>
+              </p:ext>
+            </p:extLst>
+          </p:nvPr>
+        </p:nvPicPr>
+        <p:blipFill rotWithShape="1">
+          <a:blip r:embed="rId2">
+            <a:extLst>
+              <a:ext uri="{28A0092B-C50C-407E-A947-70E740481C1C}">
+                <a14:useLocalDpi xmlns:a14="http://schemas.microsoft.com/office/drawing/2010/main" val="0"/>
+              </a:ext>
+            </a:extLst>
+          </a:blip>
+          <a:srcRect t="1538" b="-1538"/>
+          <a:stretch/>
+        </p:blipFill>
+        <p:spPr>
+          <a:xfrm>
+            <a:off x="0" y="6130094"/>
+            <a:ext cx="12192000" cy="742950"/>
+          </a:xfrm>
+          <a:prstGeom prst="rect">
+            <a:avLst/>
+          </a:prstGeom>
+        </p:spPr>
+      </p:pic>
+    </p:spTree>
+    <p:extLst>
+      <p:ext uri="{BB962C8B-B14F-4D97-AF65-F5344CB8AC3E}">
+        <p14:creationId xmlns:p14="http://schemas.microsoft.com/office/powerpoint/2010/main" val="2493762283"/>
       </p:ext>
     </p:extLst>
   </p:cSld>
